--- a/meetings-ietf/ietf-115/slides-115-alto-transport-11-11-working-11-05.pptx
+++ b/meetings-ietf/ietf-115/slides-115-alto-transport-11-11-working-11-05.pptx
@@ -5,10 +5,10 @@
     <p:sldMasterId id="2147483648" r:id="rId1"/>
   </p:sldMasterIdLst>
   <p:notesMasterIdLst>
-    <p:notesMasterId r:id="rId24"/>
+    <p:notesMasterId r:id="rId26"/>
   </p:notesMasterIdLst>
   <p:handoutMasterIdLst>
-    <p:handoutMasterId r:id="rId25"/>
+    <p:handoutMasterId r:id="rId27"/>
   </p:handoutMasterIdLst>
   <p:sldIdLst>
     <p:sldId id="440" r:id="rId2"/>
@@ -20,19 +20,21 @@
     <p:sldId id="648" r:id="rId8"/>
     <p:sldId id="649" r:id="rId9"/>
     <p:sldId id="650" r:id="rId10"/>
-    <p:sldId id="651" r:id="rId11"/>
-    <p:sldId id="652" r:id="rId12"/>
-    <p:sldId id="653" r:id="rId13"/>
-    <p:sldId id="654" r:id="rId14"/>
-    <p:sldId id="646" r:id="rId15"/>
-    <p:sldId id="541" r:id="rId16"/>
-    <p:sldId id="523" r:id="rId17"/>
-    <p:sldId id="526" r:id="rId18"/>
-    <p:sldId id="522" r:id="rId19"/>
-    <p:sldId id="575" r:id="rId20"/>
-    <p:sldId id="569" r:id="rId21"/>
-    <p:sldId id="571" r:id="rId22"/>
-    <p:sldId id="590" r:id="rId23"/>
+    <p:sldId id="655" r:id="rId11"/>
+    <p:sldId id="651" r:id="rId12"/>
+    <p:sldId id="656" r:id="rId13"/>
+    <p:sldId id="652" r:id="rId14"/>
+    <p:sldId id="653" r:id="rId15"/>
+    <p:sldId id="654" r:id="rId16"/>
+    <p:sldId id="646" r:id="rId17"/>
+    <p:sldId id="541" r:id="rId18"/>
+    <p:sldId id="523" r:id="rId19"/>
+    <p:sldId id="526" r:id="rId20"/>
+    <p:sldId id="522" r:id="rId21"/>
+    <p:sldId id="575" r:id="rId22"/>
+    <p:sldId id="569" r:id="rId23"/>
+    <p:sldId id="571" r:id="rId24"/>
+    <p:sldId id="590" r:id="rId25"/>
   </p:sldIdLst>
   <p:sldSz cx="12192000" cy="6858000"/>
   <p:notesSz cx="6858000" cy="9144000"/>
@@ -580,10 +582,10 @@
           </a:ln>
           <a:extLst>
             <a:ext uri="{FAA26D3D-D897-4be2-8F04-BA451C77F1D7}">
-              <ma14:placeholderFlag xmlns="" xmlns:ma14="http://schemas.microsoft.com/office/mac/drawingml/2011/main" val="1"/>
+              <ma14:placeholderFlag xmlns:ma14="http://schemas.microsoft.com/office/mac/drawingml/2011/main" xmlns="" val="1"/>
             </a:ext>
             <a:ext uri="{909E8E84-426E-40dd-AFC4-6F175D3DCCD1}">
-              <a14:hiddenFill xmlns:a14="http://schemas.microsoft.com/office/drawing/2010/main" xmlns="">
+              <a14:hiddenFill xmlns="" xmlns:a14="http://schemas.microsoft.com/office/drawing/2010/main">
                 <a:solidFill>
                   <a:srgbClr val="FFFFFF"/>
                 </a:solidFill>
@@ -2932,17 +2934,17 @@
           </a:ln>
           <a:extLst>
             <a:ext uri="{FAA26D3D-D897-4be2-8F04-BA451C77F1D7}">
-              <ma14:placeholderFlag xmlns="" xmlns:ma14="http://schemas.microsoft.com/office/mac/drawingml/2011/main" val="1"/>
+              <ma14:placeholderFlag xmlns:ma14="http://schemas.microsoft.com/office/mac/drawingml/2011/main" xmlns="" val="1"/>
             </a:ext>
             <a:ext uri="{909E8E84-426E-40dd-AFC4-6F175D3DCCD1}">
-              <a14:hiddenFill xmlns:a14="http://schemas.microsoft.com/office/drawing/2010/main" xmlns="">
+              <a14:hiddenFill xmlns="" xmlns:a14="http://schemas.microsoft.com/office/drawing/2010/main">
                 <a:solidFill>
                   <a:srgbClr val="FFFFFF"/>
                 </a:solidFill>
               </a14:hiddenFill>
             </a:ext>
             <a:ext uri="{91240B29-F687-4f45-9708-019B960494DF}">
-              <a14:hiddenLine xmlns:a14="http://schemas.microsoft.com/office/drawing/2010/main" xmlns="" w="9525">
+              <a14:hiddenLine xmlns="" xmlns:a14="http://schemas.microsoft.com/office/drawing/2010/main" w="9525">
                 <a:solidFill>
                   <a:srgbClr val="000000"/>
                 </a:solidFill>
@@ -3024,7 +3026,7 @@
           </a:ln>
           <a:extLst>
             <a:ext uri="{909E8E84-426E-40dd-AFC4-6F175D3DCCD1}">
-              <a14:hiddenFill xmlns:a14="http://schemas.microsoft.com/office/drawing/2010/main" xmlns="">
+              <a14:hiddenFill xmlns="" xmlns:a14="http://schemas.microsoft.com/office/drawing/2010/main">
                 <a:noFill/>
               </a14:hiddenFill>
             </a:ext>
@@ -3730,15 +3732,18 @@
             </a:br>
             <a:r>
               <a:rPr lang="en-US" sz="2400" dirty="0"/>
-              <a:t>draft-schott-alto-new-transport-push-00</a:t>
+              <a:t>draft-schott-alto-new-transport-pull-00</a:t>
             </a:r>
             <a:br>
               <a:rPr lang="en-US" sz="2400" dirty="0"/>
             </a:br>
             <a:r>
               <a:rPr lang="en-US" sz="2400" dirty="0"/>
-              <a:t>draft-schott-alto-new-transport-pull-00</a:t>
-            </a:r>
+              <a:t>draft-schott-alto-new-transport-push-00</a:t>
+            </a:r>
+            <a:br>
+              <a:rPr lang="en-US" sz="2400" dirty="0"/>
+            </a:br>
             <a:endParaRPr lang="en-US" sz="1800" dirty="0"/>
           </a:p>
         </p:txBody>
@@ -3808,8 +3813,8 @@
         </p:nvSpPr>
         <p:spPr>
           <a:xfrm>
-            <a:off x="1848679" y="3185615"/>
-            <a:ext cx="8534400" cy="1752600"/>
+            <a:off x="1848679" y="3185614"/>
+            <a:ext cx="8534400" cy="2083809"/>
           </a:xfrm>
         </p:spPr>
         <p:txBody>
@@ -3825,19 +3830,13 @@
               <a:rPr lang="en-US" altLang="x-none" sz="2400" noProof="1">
                 <a:ea typeface="ＭＳ Ｐゴシック" charset="-128"/>
               </a:rPr>
-              <a:t>Presenter: Roland Schott, </a:t>
-            </a:r>
-            <a:r>
-              <a:rPr lang="en-US" sz="2400" noProof="1"/>
-              <a:t>Y. Richard Yang, Sabine</a:t>
-            </a:r>
-          </a:p>
-          <a:p>
-            <a:pPr>
-              <a:spcBef>
-                <a:spcPts val="0"/>
-              </a:spcBef>
-            </a:pPr>
+              <a:t>Presenter: Roland Schott</a:t>
+            </a:r>
+            <a:br>
+              <a:rPr lang="en-US" altLang="x-none" sz="2400" noProof="1">
+                <a:ea typeface="ＭＳ Ｐゴシック" charset="-128"/>
+              </a:rPr>
+            </a:br>
             <a:endParaRPr lang="en-US" dirty="0"/>
           </a:p>
           <a:p>
@@ -3907,6 +3906,569 @@
           <p:cNvPr id="2" name="Title 1">
             <a:extLst>
               <a:ext uri="{FF2B5EF4-FFF2-40B4-BE49-F238E27FC236}">
+                <a16:creationId xmlns:a16="http://schemas.microsoft.com/office/drawing/2014/main" id="{DE0ACA48-A839-FA44-A4B0-48BB895DE762}"/>
+              </a:ext>
+            </a:extLst>
+          </p:cNvPr>
+          <p:cNvSpPr>
+            <a:spLocks noGrp="1"/>
+          </p:cNvSpPr>
+          <p:nvPr>
+            <p:ph type="title"/>
+          </p:nvPr>
+        </p:nvSpPr>
+        <p:spPr/>
+        <p:txBody>
+          <a:bodyPr/>
+          <a:lstStyle/>
+          <a:p>
+            <a:r>
+              <a:rPr lang="en-US" dirty="0"/>
+              <a:t>High-Level Dependency of Documents</a:t>
+            </a:r>
+          </a:p>
+        </p:txBody>
+      </p:sp>
+      <p:cxnSp>
+        <p:nvCxnSpPr>
+          <p:cNvPr id="5" name="Straight Connector 4">
+            <a:extLst>
+              <a:ext uri="{FF2B5EF4-FFF2-40B4-BE49-F238E27FC236}">
+                <a16:creationId xmlns:a16="http://schemas.microsoft.com/office/drawing/2014/main" id="{37F981A8-5912-694D-A67C-784B25174674}"/>
+              </a:ext>
+            </a:extLst>
+          </p:cNvPr>
+          <p:cNvCxnSpPr/>
+          <p:nvPr/>
+        </p:nvCxnSpPr>
+        <p:spPr bwMode="auto">
+          <a:xfrm>
+            <a:off x="2975675" y="1022888"/>
+            <a:ext cx="0" cy="5067946"/>
+          </a:xfrm>
+          <a:prstGeom prst="line">
+            <a:avLst/>
+          </a:prstGeom>
+          <a:solidFill>
+            <a:schemeClr val="accent1"/>
+          </a:solidFill>
+          <a:ln w="9525" cap="flat" cmpd="sng" algn="ctr">
+            <a:solidFill>
+              <a:schemeClr val="tx1"/>
+            </a:solidFill>
+            <a:prstDash val="solid"/>
+            <a:round/>
+            <a:headEnd type="none" w="med" len="med"/>
+            <a:tailEnd type="none" w="med" len="med"/>
+          </a:ln>
+          <a:effectLst/>
+        </p:spPr>
+      </p:cxnSp>
+      <p:cxnSp>
+        <p:nvCxnSpPr>
+          <p:cNvPr id="6" name="Straight Connector 5">
+            <a:extLst>
+              <a:ext uri="{FF2B5EF4-FFF2-40B4-BE49-F238E27FC236}">
+                <a16:creationId xmlns:a16="http://schemas.microsoft.com/office/drawing/2014/main" id="{EDEBEC51-3D01-944E-B127-BB112F01C47B}"/>
+              </a:ext>
+            </a:extLst>
+          </p:cNvPr>
+          <p:cNvCxnSpPr/>
+          <p:nvPr/>
+        </p:nvCxnSpPr>
+        <p:spPr bwMode="auto">
+          <a:xfrm>
+            <a:off x="6777933" y="1022888"/>
+            <a:ext cx="0" cy="5067946"/>
+          </a:xfrm>
+          <a:prstGeom prst="line">
+            <a:avLst/>
+          </a:prstGeom>
+          <a:solidFill>
+            <a:schemeClr val="accent1"/>
+          </a:solidFill>
+          <a:ln w="9525" cap="flat" cmpd="sng" algn="ctr">
+            <a:solidFill>
+              <a:schemeClr val="tx1"/>
+            </a:solidFill>
+            <a:prstDash val="solid"/>
+            <a:round/>
+            <a:headEnd type="none" w="med" len="med"/>
+            <a:tailEnd type="none" w="med" len="med"/>
+          </a:ln>
+          <a:effectLst/>
+        </p:spPr>
+      </p:cxnSp>
+      <p:sp>
+        <p:nvSpPr>
+          <p:cNvPr id="7" name="TextBox 6">
+            <a:extLst>
+              <a:ext uri="{FF2B5EF4-FFF2-40B4-BE49-F238E27FC236}">
+                <a16:creationId xmlns:a16="http://schemas.microsoft.com/office/drawing/2014/main" id="{F997E937-1213-2042-8AC6-832DC54E4D4C}"/>
+              </a:ext>
+            </a:extLst>
+          </p:cNvPr>
+          <p:cNvSpPr txBox="1"/>
+          <p:nvPr/>
+        </p:nvSpPr>
+        <p:spPr>
+          <a:xfrm>
+            <a:off x="2479729" y="684334"/>
+            <a:ext cx="1281376" cy="338554"/>
+          </a:xfrm>
+          <a:prstGeom prst="rect">
+            <a:avLst/>
+          </a:prstGeom>
+          <a:noFill/>
+        </p:spPr>
+        <p:txBody>
+          <a:bodyPr wrap="none" rtlCol="0">
+            <a:spAutoFit/>
+          </a:bodyPr>
+          <a:lstStyle/>
+          <a:p>
+            <a:r>
+              <a:rPr lang="en-US" dirty="0"/>
+              <a:t>ALTO Client</a:t>
+            </a:r>
+          </a:p>
+        </p:txBody>
+      </p:sp>
+      <p:sp>
+        <p:nvSpPr>
+          <p:cNvPr id="8" name="TextBox 7">
+            <a:extLst>
+              <a:ext uri="{FF2B5EF4-FFF2-40B4-BE49-F238E27FC236}">
+                <a16:creationId xmlns:a16="http://schemas.microsoft.com/office/drawing/2014/main" id="{A0801572-F5E1-0D46-8B8C-C03035D8A3FD}"/>
+              </a:ext>
+            </a:extLst>
+          </p:cNvPr>
+          <p:cNvSpPr txBox="1"/>
+          <p:nvPr/>
+        </p:nvSpPr>
+        <p:spPr>
+          <a:xfrm>
+            <a:off x="5838048" y="684334"/>
+            <a:ext cx="1363130" cy="338554"/>
+          </a:xfrm>
+          <a:prstGeom prst="rect">
+            <a:avLst/>
+          </a:prstGeom>
+          <a:noFill/>
+        </p:spPr>
+        <p:txBody>
+          <a:bodyPr wrap="none" rtlCol="0">
+            <a:spAutoFit/>
+          </a:bodyPr>
+          <a:lstStyle/>
+          <a:p>
+            <a:r>
+              <a:rPr lang="en-US" dirty="0"/>
+              <a:t>ALTO Server</a:t>
+            </a:r>
+          </a:p>
+        </p:txBody>
+      </p:sp>
+      <p:cxnSp>
+        <p:nvCxnSpPr>
+          <p:cNvPr id="10" name="Straight Arrow Connector 9">
+            <a:extLst>
+              <a:ext uri="{FF2B5EF4-FFF2-40B4-BE49-F238E27FC236}">
+                <a16:creationId xmlns:a16="http://schemas.microsoft.com/office/drawing/2014/main" id="{53DC5706-4F76-814D-A846-32B4AE6A6C04}"/>
+              </a:ext>
+            </a:extLst>
+          </p:cNvPr>
+          <p:cNvCxnSpPr/>
+          <p:nvPr/>
+        </p:nvCxnSpPr>
+        <p:spPr bwMode="auto">
+          <a:xfrm>
+            <a:off x="3228903" y="1549831"/>
+            <a:ext cx="3355291" cy="185979"/>
+          </a:xfrm>
+          <a:prstGeom prst="straightConnector1">
+            <a:avLst/>
+          </a:prstGeom>
+          <a:solidFill>
+            <a:schemeClr val="accent1"/>
+          </a:solidFill>
+          <a:ln w="9525" cap="flat" cmpd="sng" algn="ctr">
+            <a:solidFill>
+              <a:schemeClr val="tx1"/>
+            </a:solidFill>
+            <a:prstDash val="solid"/>
+            <a:round/>
+            <a:headEnd type="none" w="med" len="med"/>
+            <a:tailEnd type="triangle"/>
+          </a:ln>
+          <a:effectLst/>
+        </p:spPr>
+      </p:cxnSp>
+      <p:sp>
+        <p:nvSpPr>
+          <p:cNvPr id="11" name="TextBox 10">
+            <a:extLst>
+              <a:ext uri="{FF2B5EF4-FFF2-40B4-BE49-F238E27FC236}">
+                <a16:creationId xmlns:a16="http://schemas.microsoft.com/office/drawing/2014/main" id="{E3DF05CC-8CA9-DC43-8668-DDC30C4DBE61}"/>
+              </a:ext>
+            </a:extLst>
+          </p:cNvPr>
+          <p:cNvSpPr txBox="1"/>
+          <p:nvPr/>
+        </p:nvSpPr>
+        <p:spPr>
+          <a:xfrm rot="214024">
+            <a:off x="3407150" y="1279222"/>
+            <a:ext cx="3135795" cy="584775"/>
+          </a:xfrm>
+          <a:prstGeom prst="rect">
+            <a:avLst/>
+          </a:prstGeom>
+          <a:noFill/>
+        </p:spPr>
+        <p:txBody>
+          <a:bodyPr wrap="none" rtlCol="0">
+            <a:spAutoFit/>
+          </a:bodyPr>
+          <a:lstStyle/>
+          <a:p>
+            <a:pPr algn="ctr"/>
+            <a:r>
+              <a:rPr lang="en-US" dirty="0"/>
+              <a:t>CRD incremental-update-queue </a:t>
+            </a:r>
+            <a:br>
+              <a:rPr lang="en-US" dirty="0"/>
+            </a:br>
+            <a:r>
+              <a:rPr lang="en-US" dirty="0"/>
+              <a:t>(Doc 1)</a:t>
+            </a:r>
+          </a:p>
+        </p:txBody>
+      </p:sp>
+      <p:cxnSp>
+        <p:nvCxnSpPr>
+          <p:cNvPr id="12" name="Straight Arrow Connector 11">
+            <a:extLst>
+              <a:ext uri="{FF2B5EF4-FFF2-40B4-BE49-F238E27FC236}">
+                <a16:creationId xmlns:a16="http://schemas.microsoft.com/office/drawing/2014/main" id="{24EAD194-A558-AD4C-91FB-CF912BF9A33D}"/>
+              </a:ext>
+            </a:extLst>
+          </p:cNvPr>
+          <p:cNvCxnSpPr/>
+          <p:nvPr/>
+        </p:nvCxnSpPr>
+        <p:spPr bwMode="auto">
+          <a:xfrm>
+            <a:off x="3133331" y="2585636"/>
+            <a:ext cx="3355291" cy="185979"/>
+          </a:xfrm>
+          <a:prstGeom prst="straightConnector1">
+            <a:avLst/>
+          </a:prstGeom>
+          <a:solidFill>
+            <a:schemeClr val="accent1"/>
+          </a:solidFill>
+          <a:ln w="9525" cap="flat" cmpd="sng" algn="ctr">
+            <a:solidFill>
+              <a:schemeClr val="tx1"/>
+            </a:solidFill>
+            <a:prstDash val="solid"/>
+            <a:round/>
+            <a:headEnd type="none" w="med" len="med"/>
+            <a:tailEnd type="triangle"/>
+          </a:ln>
+          <a:effectLst/>
+        </p:spPr>
+      </p:cxnSp>
+      <p:sp>
+        <p:nvSpPr>
+          <p:cNvPr id="13" name="TextBox 12">
+            <a:extLst>
+              <a:ext uri="{FF2B5EF4-FFF2-40B4-BE49-F238E27FC236}">
+                <a16:creationId xmlns:a16="http://schemas.microsoft.com/office/drawing/2014/main" id="{0A8CA261-442D-B14B-BD01-15ED193AF2F1}"/>
+              </a:ext>
+            </a:extLst>
+          </p:cNvPr>
+          <p:cNvSpPr txBox="1"/>
+          <p:nvPr/>
+        </p:nvSpPr>
+        <p:spPr>
+          <a:xfrm rot="214024">
+            <a:off x="3031058" y="2036935"/>
+            <a:ext cx="3696845" cy="830997"/>
+          </a:xfrm>
+          <a:prstGeom prst="rect">
+            <a:avLst/>
+          </a:prstGeom>
+          <a:noFill/>
+        </p:spPr>
+        <p:txBody>
+          <a:bodyPr wrap="none" rtlCol="0">
+            <a:spAutoFit/>
+          </a:bodyPr>
+          <a:lstStyle/>
+          <a:p>
+            <a:pPr algn="ctr"/>
+            <a:r>
+              <a:rPr lang="en-US" dirty="0"/>
+              <a:t>pull/long pull to elements of the queue </a:t>
+            </a:r>
+            <a:br>
+              <a:rPr lang="en-US" dirty="0"/>
+            </a:br>
+            <a:r>
+              <a:rPr lang="en-US" dirty="0"/>
+              <a:t>in the same connection</a:t>
+            </a:r>
+            <a:br>
+              <a:rPr lang="en-US" dirty="0"/>
+            </a:br>
+            <a:r>
+              <a:rPr lang="en-US" dirty="0"/>
+              <a:t>(Doc 2)</a:t>
+            </a:r>
+          </a:p>
+        </p:txBody>
+      </p:sp>
+      <p:cxnSp>
+        <p:nvCxnSpPr>
+          <p:cNvPr id="14" name="Straight Arrow Connector 13">
+            <a:extLst>
+              <a:ext uri="{FF2B5EF4-FFF2-40B4-BE49-F238E27FC236}">
+                <a16:creationId xmlns:a16="http://schemas.microsoft.com/office/drawing/2014/main" id="{74546C0D-E248-2A43-982D-E9AFD94BEE83}"/>
+              </a:ext>
+            </a:extLst>
+          </p:cNvPr>
+          <p:cNvCxnSpPr>
+            <a:cxnSpLocks/>
+          </p:cNvCxnSpPr>
+          <p:nvPr/>
+        </p:nvCxnSpPr>
+        <p:spPr bwMode="auto">
+          <a:xfrm flipH="1">
+            <a:off x="3385009" y="4176372"/>
+            <a:ext cx="2954182" cy="106984"/>
+          </a:xfrm>
+          <a:prstGeom prst="straightConnector1">
+            <a:avLst/>
+          </a:prstGeom>
+          <a:solidFill>
+            <a:schemeClr val="accent1"/>
+          </a:solidFill>
+          <a:ln w="9525" cap="flat" cmpd="sng" algn="ctr">
+            <a:solidFill>
+              <a:schemeClr val="tx1"/>
+            </a:solidFill>
+            <a:prstDash val="solid"/>
+            <a:round/>
+            <a:headEnd type="none" w="med" len="med"/>
+            <a:tailEnd type="triangle"/>
+          </a:ln>
+          <a:effectLst/>
+        </p:spPr>
+      </p:cxnSp>
+      <p:sp>
+        <p:nvSpPr>
+          <p:cNvPr id="15" name="TextBox 14">
+            <a:extLst>
+              <a:ext uri="{FF2B5EF4-FFF2-40B4-BE49-F238E27FC236}">
+                <a16:creationId xmlns:a16="http://schemas.microsoft.com/office/drawing/2014/main" id="{C938E47D-7268-9D47-9326-42CEE9B9280A}"/>
+              </a:ext>
+            </a:extLst>
+          </p:cNvPr>
+          <p:cNvSpPr txBox="1"/>
+          <p:nvPr/>
+        </p:nvSpPr>
+        <p:spPr>
+          <a:xfrm rot="214024">
+            <a:off x="3040939" y="3280463"/>
+            <a:ext cx="3720891" cy="830997"/>
+          </a:xfrm>
+          <a:prstGeom prst="rect">
+            <a:avLst/>
+          </a:prstGeom>
+          <a:noFill/>
+        </p:spPr>
+        <p:txBody>
+          <a:bodyPr wrap="none" rtlCol="0">
+            <a:spAutoFit/>
+          </a:bodyPr>
+          <a:lstStyle/>
+          <a:p>
+            <a:pPr algn="ctr"/>
+            <a:r>
+              <a:rPr lang="en-US" dirty="0"/>
+              <a:t>Push to client of elements in the queue</a:t>
+            </a:r>
+            <a:br>
+              <a:rPr lang="en-US" dirty="0"/>
+            </a:br>
+            <a:r>
+              <a:rPr lang="en-US" dirty="0"/>
+              <a:t>in the same connection </a:t>
+            </a:r>
+            <a:br>
+              <a:rPr lang="en-US" dirty="0"/>
+            </a:br>
+            <a:r>
+              <a:rPr lang="en-US" dirty="0"/>
+              <a:t>(Doc 3)</a:t>
+            </a:r>
+          </a:p>
+        </p:txBody>
+      </p:sp>
+      <p:cxnSp>
+        <p:nvCxnSpPr>
+          <p:cNvPr id="19" name="Straight Connector 18">
+            <a:extLst>
+              <a:ext uri="{FF2B5EF4-FFF2-40B4-BE49-F238E27FC236}">
+                <a16:creationId xmlns:a16="http://schemas.microsoft.com/office/drawing/2014/main" id="{ADC8ACD2-3980-844A-9CC4-744270B26CF2}"/>
+              </a:ext>
+            </a:extLst>
+          </p:cNvPr>
+          <p:cNvCxnSpPr/>
+          <p:nvPr/>
+        </p:nvCxnSpPr>
+        <p:spPr bwMode="auto">
+          <a:xfrm>
+            <a:off x="1890793" y="4881966"/>
+            <a:ext cx="6354305" cy="0"/>
+          </a:xfrm>
+          <a:prstGeom prst="line">
+            <a:avLst/>
+          </a:prstGeom>
+          <a:solidFill>
+            <a:schemeClr val="accent1"/>
+          </a:solidFill>
+          <a:ln w="9525" cap="flat" cmpd="sng" algn="ctr">
+            <a:solidFill>
+              <a:schemeClr val="tx1"/>
+            </a:solidFill>
+            <a:prstDash val="solid"/>
+            <a:round/>
+            <a:headEnd type="none" w="med" len="med"/>
+            <a:tailEnd type="none" w="med" len="med"/>
+          </a:ln>
+          <a:effectLst/>
+        </p:spPr>
+      </p:cxnSp>
+      <p:cxnSp>
+        <p:nvCxnSpPr>
+          <p:cNvPr id="20" name="Straight Arrow Connector 19">
+            <a:extLst>
+              <a:ext uri="{FF2B5EF4-FFF2-40B4-BE49-F238E27FC236}">
+                <a16:creationId xmlns:a16="http://schemas.microsoft.com/office/drawing/2014/main" id="{662902BD-0B0B-D14B-AA72-FB56450CE110}"/>
+              </a:ext>
+            </a:extLst>
+          </p:cNvPr>
+          <p:cNvCxnSpPr>
+            <a:cxnSpLocks/>
+          </p:cNvCxnSpPr>
+          <p:nvPr/>
+        </p:nvCxnSpPr>
+        <p:spPr bwMode="auto">
+          <a:xfrm flipH="1">
+            <a:off x="3475417" y="5971596"/>
+            <a:ext cx="2954182" cy="106984"/>
+          </a:xfrm>
+          <a:prstGeom prst="straightConnector1">
+            <a:avLst/>
+          </a:prstGeom>
+          <a:solidFill>
+            <a:schemeClr val="accent1"/>
+          </a:solidFill>
+          <a:ln w="9525" cap="flat" cmpd="sng" algn="ctr">
+            <a:solidFill>
+              <a:schemeClr val="tx1"/>
+            </a:solidFill>
+            <a:prstDash val="solid"/>
+            <a:round/>
+            <a:headEnd type="none" w="med" len="med"/>
+            <a:tailEnd type="triangle"/>
+          </a:ln>
+          <a:effectLst/>
+        </p:spPr>
+      </p:cxnSp>
+      <p:sp>
+        <p:nvSpPr>
+          <p:cNvPr id="21" name="TextBox 20">
+            <a:extLst>
+              <a:ext uri="{FF2B5EF4-FFF2-40B4-BE49-F238E27FC236}">
+                <a16:creationId xmlns:a16="http://schemas.microsoft.com/office/drawing/2014/main" id="{B1D584EE-EAE4-824E-8FD8-9ECD6A70F00B}"/>
+              </a:ext>
+            </a:extLst>
+          </p:cNvPr>
+          <p:cNvSpPr txBox="1"/>
+          <p:nvPr/>
+        </p:nvSpPr>
+        <p:spPr>
+          <a:xfrm rot="214024">
+            <a:off x="2890897" y="5276288"/>
+            <a:ext cx="4201791" cy="584775"/>
+          </a:xfrm>
+          <a:prstGeom prst="rect">
+            <a:avLst/>
+          </a:prstGeom>
+          <a:noFill/>
+        </p:spPr>
+        <p:txBody>
+          <a:bodyPr wrap="none" rtlCol="0">
+            <a:spAutoFit/>
+          </a:bodyPr>
+          <a:lstStyle/>
+          <a:p>
+            <a:pPr algn="ctr"/>
+            <a:r>
+              <a:rPr lang="en-US" dirty="0"/>
+              <a:t>Server put to client of elements in the queue</a:t>
+            </a:r>
+            <a:br>
+              <a:rPr lang="en-US" dirty="0"/>
+            </a:br>
+            <a:r>
+              <a:rPr lang="en-US" dirty="0"/>
+              <a:t>it needs a new connection</a:t>
+            </a:r>
+          </a:p>
+        </p:txBody>
+      </p:sp>
+    </p:spTree>
+    <p:extLst>
+      <p:ext uri="{BB962C8B-B14F-4D97-AF65-F5344CB8AC3E}">
+        <p14:creationId xmlns:p14="http://schemas.microsoft.com/office/powerpoint/2010/main" val="4059309948"/>
+      </p:ext>
+    </p:extLst>
+  </p:cSld>
+  <p:clrMapOvr>
+    <a:masterClrMapping/>
+  </p:clrMapOvr>
+</p:sld>
+</file>
+
+<file path=ppt/slides/slide11.xml><?xml version="1.0" encoding="utf-8"?>
+<p:sld xmlns:a="http://schemas.openxmlformats.org/drawingml/2006/main" xmlns:r="http://schemas.openxmlformats.org/officeDocument/2006/relationships" xmlns:p="http://schemas.openxmlformats.org/presentationml/2006/main">
+  <p:cSld>
+    <p:spTree>
+      <p:nvGrpSpPr>
+        <p:cNvPr id="1" name=""/>
+        <p:cNvGrpSpPr/>
+        <p:nvPr/>
+      </p:nvGrpSpPr>
+      <p:grpSpPr>
+        <a:xfrm>
+          <a:off x="0" y="0"/>
+          <a:ext cx="0" cy="0"/>
+          <a:chOff x="0" y="0"/>
+          <a:chExt cx="0" cy="0"/>
+        </a:xfrm>
+      </p:grpSpPr>
+      <p:sp>
+        <p:nvSpPr>
+          <p:cNvPr id="2" name="Title 1">
+            <a:extLst>
+              <a:ext uri="{FF2B5EF4-FFF2-40B4-BE49-F238E27FC236}">
                 <a16:creationId xmlns:a16="http://schemas.microsoft.com/office/drawing/2014/main" id="{211534FB-56E1-C740-8514-8A823D5AE18C}"/>
               </a:ext>
             </a:extLst>
@@ -3990,7 +4552,19 @@
             </a:r>
             <a:r>
               <a:rPr lang="en-US" sz="1800" dirty="0"/>
-              <a:t> updates (operational log in distributed computing), called an information update queue</a:t>
+              <a:t> updates </a:t>
+            </a:r>
+            <a:r>
+              <a:rPr lang="en-US" sz="1800" dirty="0">
+                <a:solidFill>
+                  <a:srgbClr val="0070C0"/>
+                </a:solidFill>
+              </a:rPr>
+              <a:t>(operational log in distributed computing)</a:t>
+            </a:r>
+            <a:r>
+              <a:rPr lang="en-US" sz="1800" dirty="0"/>
+              <a:t>, called an information update queue</a:t>
             </a:r>
           </a:p>
           <a:p>
@@ -4025,7 +4599,7 @@
             <a:pPr lvl="2"/>
             <a:r>
               <a:rPr lang="en-US" sz="1800" dirty="0"/>
-              <a:t>The close of the connection from the ALTO client to the ALTO server results in the deletion of the queue</a:t>
+              <a:t>The close of the connection from the ALTO client to the ALTO server results in the deletion of the queue (no persistency)</a:t>
             </a:r>
           </a:p>
           <a:p>
@@ -4114,17 +4688,17 @@
           </a:ln>
           <a:extLst>
             <a:ext uri="{FAA26D3D-D897-4be2-8F04-BA451C77F1D7}">
-              <ma14:placeholderFlag xmlns="" xmlns:ma14="http://schemas.microsoft.com/office/mac/drawingml/2011/main" val="1"/>
+              <ma14:placeholderFlag xmlns:ma14="http://schemas.microsoft.com/office/mac/drawingml/2011/main" xmlns="" val="1"/>
             </a:ext>
             <a:ext uri="{909E8E84-426E-40dd-AFC4-6F175D3DCCD1}">
-              <a14:hiddenFill xmlns:a14="http://schemas.microsoft.com/office/drawing/2010/main" xmlns="">
+              <a14:hiddenFill xmlns="" xmlns:a14="http://schemas.microsoft.com/office/drawing/2010/main">
                 <a:solidFill>
                   <a:srgbClr val="FFFFFF"/>
                 </a:solidFill>
               </a14:hiddenFill>
             </a:ext>
             <a:ext uri="{91240B29-F687-4f45-9708-019B960494DF}">
-              <a14:hiddenLine xmlns:a14="http://schemas.microsoft.com/office/drawing/2010/main" xmlns="" w="9525">
+              <a14:hiddenLine xmlns="" xmlns:a14="http://schemas.microsoft.com/office/drawing/2010/main" w="9525">
                 <a:solidFill>
                   <a:srgbClr val="000000"/>
                 </a:solidFill>
@@ -4309,15 +4883,7 @@
             <a:pPr lvl="3"/>
             <a:r>
               <a:rPr lang="en-US" sz="2000" kern="0" baseline="0" dirty="0"/>
-              <a:t>Must be incremental, no gap, </a:t>
-            </a:r>
-            <a:r>
-              <a:rPr lang="en-US" sz="2000" kern="0" baseline="0" dirty="0" err="1"/>
-              <a:t>upto</a:t>
-            </a:r>
-            <a:r>
-              <a:rPr lang="en-US" sz="2000" kern="0" baseline="0" dirty="0"/>
-              <a:t> 64 bits; if reach limit, wrap to 0</a:t>
+              <a:t>Must be incremental, no gap, up to 64 bits; if reach limit, wrap to 0</a:t>
             </a:r>
           </a:p>
           <a:p>
@@ -4349,7 +4915,95 @@
 </p:sld>
 </file>
 
-<file path=ppt/slides/slide11.xml><?xml version="1.0" encoding="utf-8"?>
+<file path=ppt/slides/slide12.xml><?xml version="1.0" encoding="utf-8"?>
+<p:sld xmlns:a="http://schemas.openxmlformats.org/drawingml/2006/main" xmlns:r="http://schemas.openxmlformats.org/officeDocument/2006/relationships" xmlns:p="http://schemas.openxmlformats.org/presentationml/2006/main">
+  <p:cSld>
+    <p:spTree>
+      <p:nvGrpSpPr>
+        <p:cNvPr id="1" name=""/>
+        <p:cNvGrpSpPr/>
+        <p:nvPr/>
+      </p:nvGrpSpPr>
+      <p:grpSpPr>
+        <a:xfrm>
+          <a:off x="0" y="0"/>
+          <a:ext cx="0" cy="0"/>
+          <a:chOff x="0" y="0"/>
+          <a:chExt cx="0" cy="0"/>
+        </a:xfrm>
+      </p:grpSpPr>
+      <p:sp>
+        <p:nvSpPr>
+          <p:cNvPr id="2" name="Title 1">
+            <a:extLst>
+              <a:ext uri="{FF2B5EF4-FFF2-40B4-BE49-F238E27FC236}">
+                <a16:creationId xmlns:a16="http://schemas.microsoft.com/office/drawing/2014/main" id="{29F2DEF1-A675-7D43-88EA-01742A855EF2}"/>
+              </a:ext>
+            </a:extLst>
+          </p:cNvPr>
+          <p:cNvSpPr>
+            <a:spLocks noGrp="1"/>
+          </p:cNvSpPr>
+          <p:nvPr>
+            <p:ph type="title"/>
+          </p:nvPr>
+        </p:nvSpPr>
+        <p:spPr/>
+        <p:txBody>
+          <a:bodyPr/>
+          <a:lstStyle/>
+          <a:p>
+            <a:r>
+              <a:rPr lang="en-US" dirty="0"/>
+              <a:t>Add An </a:t>
+            </a:r>
+            <a:r>
+              <a:rPr lang="en-US" dirty="0" err="1"/>
+              <a:t>Illsutration</a:t>
+            </a:r>
+            <a:endParaRPr lang="en-US" dirty="0"/>
+          </a:p>
+        </p:txBody>
+      </p:sp>
+      <p:sp>
+        <p:nvSpPr>
+          <p:cNvPr id="3" name="Content Placeholder 2">
+            <a:extLst>
+              <a:ext uri="{FF2B5EF4-FFF2-40B4-BE49-F238E27FC236}">
+                <a16:creationId xmlns:a16="http://schemas.microsoft.com/office/drawing/2014/main" id="{BF312E1F-6094-7B4F-8CF3-D17634F19840}"/>
+              </a:ext>
+            </a:extLst>
+          </p:cNvPr>
+          <p:cNvSpPr>
+            <a:spLocks noGrp="1"/>
+          </p:cNvSpPr>
+          <p:nvPr>
+            <p:ph idx="1"/>
+          </p:nvPr>
+        </p:nvSpPr>
+        <p:spPr/>
+        <p:txBody>
+          <a:bodyPr/>
+          <a:lstStyle/>
+          <a:p>
+            <a:endParaRPr lang="en-US"/>
+          </a:p>
+        </p:txBody>
+      </p:sp>
+    </p:spTree>
+    <p:extLst>
+      <p:ext uri="{BB962C8B-B14F-4D97-AF65-F5344CB8AC3E}">
+        <p14:creationId xmlns:p14="http://schemas.microsoft.com/office/powerpoint/2010/main" val="2311985314"/>
+      </p:ext>
+    </p:extLst>
+  </p:cSld>
+  <p:clrMapOvr>
+    <a:masterClrMapping/>
+  </p:clrMapOvr>
+</p:sld>
+</file>
+
+<file path=ppt/slides/slide13.xml><?xml version="1.0" encoding="utf-8"?>
 <p:sld xmlns:a="http://schemas.openxmlformats.org/drawingml/2006/main" xmlns:r="http://schemas.openxmlformats.org/officeDocument/2006/relationships" xmlns:p="http://schemas.openxmlformats.org/presentationml/2006/main">
   <p:cSld>
     <p:spTree>
@@ -4416,79 +5070,100 @@
           <a:lstStyle/>
           <a:p>
             <a:r>
-              <a:rPr lang="en-US" dirty="0"/>
-              <a:t>Client to server: Very simple design, only GET method on &lt;updates-queue&gt;/</a:t>
-            </a:r>
-            <a:r>
-              <a:rPr lang="en-US" dirty="0" err="1"/>
+              <a:rPr lang="en-US" sz="2400" dirty="0"/>
+              <a:t>Client -&gt; server: Very simple design, only GET method on </a:t>
+            </a:r>
+            <a:br>
+              <a:rPr lang="en-US" sz="2400" dirty="0"/>
+            </a:br>
+            <a:r>
+              <a:rPr lang="en-US" sz="2400" dirty="0"/>
+              <a:t>&lt;updates-queue&gt;/&lt;</a:t>
+            </a:r>
+            <a:r>
+              <a:rPr lang="en-US" sz="2400" dirty="0" err="1"/>
               <a:t>seq</a:t>
             </a:r>
             <a:r>
-              <a:rPr lang="en-US" dirty="0"/>
-              <a:t> URI</a:t>
+              <a:rPr lang="en-US" sz="2400" dirty="0"/>
+              <a:t>&gt; URI</a:t>
             </a:r>
           </a:p>
           <a:p>
             <a:pPr lvl="1"/>
             <a:r>
-              <a:rPr lang="en-US" dirty="0"/>
-              <a:t>Allow caching and content distribution to large scale</a:t>
+              <a:rPr lang="en-US" sz="2000" dirty="0"/>
+              <a:t>Allow caching and content distribution to large scale, for future extension</a:t>
             </a:r>
           </a:p>
           <a:p>
             <a:pPr marL="457200" lvl="1" indent="0">
               <a:buNone/>
             </a:pPr>
-            <a:endParaRPr lang="en-US" dirty="0"/>
-          </a:p>
-          <a:p>
-            <a:r>
-              <a:rPr lang="en-US" dirty="0"/>
+            <a:endParaRPr lang="en-US" sz="2000" dirty="0"/>
+          </a:p>
+          <a:p>
+            <a:r>
+              <a:rPr lang="en-US" sz="2400" dirty="0"/>
               <a:t>Server -&gt; client</a:t>
             </a:r>
           </a:p>
           <a:p>
             <a:pPr lvl="1"/>
             <a:r>
-              <a:rPr lang="en-US" dirty="0"/>
-              <a:t>Specify tag to enforce correctness</a:t>
+              <a:rPr lang="en-US" sz="2000" dirty="0"/>
+              <a:t>Long poll support (fetch the next </a:t>
+            </a:r>
+            <a:r>
+              <a:rPr lang="en-US" sz="2000" dirty="0" err="1"/>
+              <a:t>seq</a:t>
+            </a:r>
+            <a:r>
+              <a:rPr lang="en-US" sz="2000" dirty="0"/>
+              <a:t>) indicated a capability</a:t>
             </a:r>
           </a:p>
           <a:p>
             <a:pPr lvl="1"/>
             <a:r>
-              <a:rPr lang="en-US" dirty="0"/>
+              <a:rPr lang="en-US" sz="2000" dirty="0"/>
+              <a:t>Transfer scheduling (at the server/client)</a:t>
+            </a:r>
+          </a:p>
+          <a:p>
+            <a:pPr lvl="2"/>
+            <a:r>
+              <a:rPr lang="en-US" sz="2000" dirty="0"/>
+              <a:t>Pull design allows client to issue concurrent pull requests, but they the results can have dependency =&gt; specify the scheduling will lead to version specification; we specify them as only operational considerations</a:t>
+            </a:r>
+          </a:p>
+          <a:p>
+            <a:pPr lvl="1"/>
+            <a:r>
+              <a:rPr lang="en-US" sz="2000" dirty="0"/>
+              <a:t>Transfer processing (at the client)</a:t>
+            </a:r>
+          </a:p>
+          <a:p>
+            <a:pPr lvl="2"/>
+            <a:r>
+              <a:rPr lang="en-US" sz="2000" dirty="0"/>
+              <a:t>Specify (SHOULD include) tag to enforce correctness</a:t>
+            </a:r>
+          </a:p>
+          <a:p>
+            <a:pPr lvl="2"/>
+            <a:r>
+              <a:rPr lang="en-US" sz="2000" dirty="0"/>
               <a:t>Specify only operational considerations on transfer scheduling of dependent updates as performance optimization</a:t>
             </a:r>
           </a:p>
           <a:p>
             <a:pPr lvl="1"/>
             <a:r>
-              <a:rPr lang="en-US" dirty="0"/>
-              <a:t>Long poll support (fetch the next </a:t>
-            </a:r>
-            <a:r>
-              <a:rPr lang="en-US" dirty="0" err="1"/>
-              <a:t>seq</a:t>
-            </a:r>
-            <a:r>
-              <a:rPr lang="en-US" dirty="0"/>
-              <a:t>) indicated a capability</a:t>
-            </a:r>
-          </a:p>
-          <a:p>
-            <a:pPr lvl="1"/>
-            <a:r>
-              <a:rPr lang="en-US" dirty="0"/>
+              <a:rPr lang="en-US" sz="2000" dirty="0"/>
               <a:t>Specify that other HTTP transport control (e.g., concurrency control) should be honored, but is transparent to ALTO transport</a:t>
             </a:r>
-          </a:p>
-          <a:p>
-            <a:pPr lvl="1"/>
-            <a:endParaRPr lang="en-US" dirty="0"/>
-          </a:p>
-          <a:p>
-            <a:endParaRPr lang="en-US" dirty="0"/>
           </a:p>
         </p:txBody>
       </p:sp>
@@ -4505,7 +5180,7 @@
 </p:sld>
 </file>
 
-<file path=ppt/slides/slide12.xml><?xml version="1.0" encoding="utf-8"?>
+<file path=ppt/slides/slide14.xml><?xml version="1.0" encoding="utf-8"?>
 <p:sld xmlns:a="http://schemas.openxmlformats.org/drawingml/2006/main" xmlns:r="http://schemas.openxmlformats.org/officeDocument/2006/relationships" xmlns:p="http://schemas.openxmlformats.org/presentationml/2006/main">
   <p:cSld>
     <p:spTree>
@@ -4573,7 +5248,41 @@
           <a:p>
             <a:r>
               <a:rPr lang="en-US" dirty="0"/>
-              <a:t>Client to server: Indicate acceptance by setting up state (join receiver-set)</a:t>
+              <a:t>Client -&gt; server: </a:t>
+            </a:r>
+          </a:p>
+          <a:p>
+            <a:pPr lvl="1"/>
+            <a:r>
+              <a:rPr lang="en-US" dirty="0"/>
+              <a:t>Indicate acceptance by setting up state (join receiver-set)</a:t>
+            </a:r>
+          </a:p>
+          <a:p>
+            <a:pPr lvl="2"/>
+            <a:r>
+              <a:rPr lang="en-US" dirty="0"/>
+              <a:t>Start: put self into &lt;</a:t>
+            </a:r>
+            <a:r>
+              <a:rPr lang="en-US" dirty="0" err="1"/>
+              <a:t>inc</a:t>
+            </a:r>
+            <a:r>
+              <a:rPr lang="en-US" dirty="0"/>
+              <a:t>-queue&gt;/</a:t>
+            </a:r>
+            <a:r>
+              <a:rPr lang="en-US" dirty="0" err="1"/>
+              <a:t>rs</a:t>
+            </a:r>
+            <a:endParaRPr lang="en-US" dirty="0"/>
+          </a:p>
+          <a:p>
+            <a:pPr lvl="2"/>
+            <a:r>
+              <a:rPr lang="en-US" dirty="0"/>
+              <a:t>Stop: delete self from the receiver set</a:t>
             </a:r>
           </a:p>
           <a:p>
@@ -4586,18 +5295,30 @@
             <a:pPr lvl="1"/>
             <a:r>
               <a:rPr lang="en-US" dirty="0"/>
-              <a:t>Specify as HTTP/2 PUSH_PROMISE</a:t>
-            </a:r>
+              <a:t>Specify as PUSH_PROMISE in HTTP/2+3</a:t>
+            </a:r>
+            <a:endParaRPr lang="en-US" dirty="0">
+              <a:solidFill>
+                <a:srgbClr val="FF0000"/>
+              </a:solidFill>
+            </a:endParaRPr>
           </a:p>
           <a:p>
             <a:pPr lvl="1"/>
+            <a:r>
+              <a:rPr lang="en-US" dirty="0"/>
+              <a:t>Transfer scheduling</a:t>
+            </a:r>
+          </a:p>
+          <a:p>
+            <a:pPr lvl="2"/>
             <a:r>
               <a:rPr lang="en-US" dirty="0"/>
               <a:t>Specify only operational considerations on transfer scheduling of dependent updates as performance optimization</a:t>
             </a:r>
           </a:p>
           <a:p>
-            <a:pPr lvl="1"/>
+            <a:pPr lvl="2"/>
             <a:r>
               <a:rPr lang="en-US" dirty="0"/>
               <a:t>Specify that other HTTP transport control (e.g., concurrency control) should be honored, but is transparent to ALTO transport</a:t>
@@ -4618,7 +5339,7 @@
 </p:sld>
 </file>
 
-<file path=ppt/slides/slide13.xml><?xml version="1.0" encoding="utf-8"?>
+<file path=ppt/slides/slide15.xml><?xml version="1.0" encoding="utf-8"?>
 <p:sld xmlns:a="http://schemas.openxmlformats.org/drawingml/2006/main" xmlns:r="http://schemas.openxmlformats.org/officeDocument/2006/relationships" xmlns:p="http://schemas.openxmlformats.org/presentationml/2006/main">
   <p:cSld>
     <p:spTree>
@@ -4710,7 +5431,7 @@
 </p:sld>
 </file>
 
-<file path=ppt/slides/slide14.xml><?xml version="1.0" encoding="utf-8"?>
+<file path=ppt/slides/slide16.xml><?xml version="1.0" encoding="utf-8"?>
 <p:sld xmlns:a="http://schemas.openxmlformats.org/drawingml/2006/main" xmlns:r="http://schemas.openxmlformats.org/officeDocument/2006/relationships" xmlns:p="http://schemas.openxmlformats.org/presentationml/2006/main">
   <p:cSld>
     <p:spTree>
@@ -4796,7 +5517,7 @@
 </p:sld>
 </file>
 
-<file path=ppt/slides/slide15.xml><?xml version="1.0" encoding="utf-8"?>
+<file path=ppt/slides/slide17.xml><?xml version="1.0" encoding="utf-8"?>
 <p:sld xmlns:a="http://schemas.openxmlformats.org/drawingml/2006/main" xmlns:r="http://schemas.openxmlformats.org/officeDocument/2006/relationships" xmlns:p="http://schemas.openxmlformats.org/presentationml/2006/main">
   <p:cSld>
     <p:spTree>
@@ -4879,7 +5600,7 @@
 </p:sld>
 </file>
 
-<file path=ppt/slides/slide16.xml><?xml version="1.0" encoding="utf-8"?>
+<file path=ppt/slides/slide18.xml><?xml version="1.0" encoding="utf-8"?>
 <p:sld xmlns:a="http://schemas.openxmlformats.org/drawingml/2006/main" xmlns:r="http://schemas.openxmlformats.org/officeDocument/2006/relationships" xmlns:p="http://schemas.openxmlformats.org/presentationml/2006/main">
   <p:cSld>
     <p:spTree>
@@ -6713,7 +7434,7 @@
 </p:sld>
 </file>
 
-<file path=ppt/slides/slide17.xml><?xml version="1.0" encoding="utf-8"?>
+<file path=ppt/slides/slide19.xml><?xml version="1.0" encoding="utf-8"?>
 <p:sld xmlns:a="http://schemas.openxmlformats.org/drawingml/2006/main" xmlns:r="http://schemas.openxmlformats.org/officeDocument/2006/relationships" xmlns:p="http://schemas.openxmlformats.org/presentationml/2006/main">
   <p:cSld>
     <p:spTree>
@@ -7223,7 +7944,105 @@
 </p:sld>
 </file>
 
-<file path=ppt/slides/slide18.xml><?xml version="1.0" encoding="utf-8"?>
+<file path=ppt/slides/slide2.xml><?xml version="1.0" encoding="utf-8"?>
+<p:sld xmlns:a="http://schemas.openxmlformats.org/drawingml/2006/main" xmlns:r="http://schemas.openxmlformats.org/officeDocument/2006/relationships" xmlns:p="http://schemas.openxmlformats.org/presentationml/2006/main">
+  <p:cSld>
+    <p:spTree>
+      <p:nvGrpSpPr>
+        <p:cNvPr id="1" name=""/>
+        <p:cNvGrpSpPr/>
+        <p:nvPr/>
+      </p:nvGrpSpPr>
+      <p:grpSpPr>
+        <a:xfrm>
+          <a:off x="0" y="0"/>
+          <a:ext cx="0" cy="0"/>
+          <a:chOff x="0" y="0"/>
+          <a:chExt cx="0" cy="0"/>
+        </a:xfrm>
+      </p:grpSpPr>
+      <p:sp>
+        <p:nvSpPr>
+          <p:cNvPr id="2" name="Title 1">
+            <a:extLst>
+              <a:ext uri="{FF2B5EF4-FFF2-40B4-BE49-F238E27FC236}">
+                <a16:creationId xmlns:a16="http://schemas.microsoft.com/office/drawing/2014/main" id="{4E409F77-BEAD-6B41-875C-18AFD636B212}"/>
+              </a:ext>
+            </a:extLst>
+          </p:cNvPr>
+          <p:cNvSpPr>
+            <a:spLocks noGrp="1"/>
+          </p:cNvSpPr>
+          <p:nvPr>
+            <p:ph type="title"/>
+          </p:nvPr>
+        </p:nvSpPr>
+        <p:spPr/>
+        <p:txBody>
+          <a:bodyPr/>
+          <a:lstStyle/>
+          <a:p>
+            <a:r>
+              <a:rPr lang="en-US" dirty="0"/>
+              <a:t>Outline</a:t>
+            </a:r>
+          </a:p>
+        </p:txBody>
+      </p:sp>
+      <p:sp>
+        <p:nvSpPr>
+          <p:cNvPr id="3" name="Content Placeholder 2">
+            <a:extLst>
+              <a:ext uri="{FF2B5EF4-FFF2-40B4-BE49-F238E27FC236}">
+                <a16:creationId xmlns:a16="http://schemas.microsoft.com/office/drawing/2014/main" id="{917167AF-0C44-1940-B634-D876516310FE}"/>
+              </a:ext>
+            </a:extLst>
+          </p:cNvPr>
+          <p:cNvSpPr>
+            <a:spLocks noGrp="1"/>
+          </p:cNvSpPr>
+          <p:nvPr>
+            <p:ph idx="1"/>
+          </p:nvPr>
+        </p:nvSpPr>
+        <p:spPr/>
+        <p:txBody>
+          <a:bodyPr/>
+          <a:lstStyle/>
+          <a:p>
+            <a:r>
+              <a:rPr lang="en-US" dirty="0"/>
+              <a:t>Recap of discussions and WG decisions</a:t>
+            </a:r>
+          </a:p>
+          <a:p>
+            <a:r>
+              <a:rPr lang="en-US" dirty="0"/>
+              <a:t>Major changes from IETF 114</a:t>
+            </a:r>
+          </a:p>
+          <a:p>
+            <a:r>
+              <a:rPr lang="en-US" dirty="0"/>
+              <a:t>Discussions and remaining issues to finalize</a:t>
+            </a:r>
+          </a:p>
+        </p:txBody>
+      </p:sp>
+    </p:spTree>
+    <p:extLst>
+      <p:ext uri="{BB962C8B-B14F-4D97-AF65-F5344CB8AC3E}">
+        <p14:creationId xmlns:p14="http://schemas.microsoft.com/office/powerpoint/2010/main" val="107829348"/>
+      </p:ext>
+    </p:extLst>
+  </p:cSld>
+  <p:clrMapOvr>
+    <a:masterClrMapping/>
+  </p:clrMapOvr>
+</p:sld>
+</file>
+
+<file path=ppt/slides/slide20.xml><?xml version="1.0" encoding="utf-8"?>
 <p:sld xmlns:a="http://schemas.openxmlformats.org/drawingml/2006/main" xmlns:r="http://schemas.openxmlformats.org/officeDocument/2006/relationships" xmlns:p="http://schemas.openxmlformats.org/presentationml/2006/main">
   <p:cSld>
     <p:spTree>
@@ -7636,7 +8455,7 @@
 </p:sld>
 </file>
 
-<file path=ppt/slides/slide19.xml><?xml version="1.0" encoding="utf-8"?>
+<file path=ppt/slides/slide21.xml><?xml version="1.0" encoding="utf-8"?>
 <p:sld xmlns:a="http://schemas.openxmlformats.org/drawingml/2006/main" xmlns:r="http://schemas.openxmlformats.org/officeDocument/2006/relationships" xmlns:p="http://schemas.openxmlformats.org/presentationml/2006/main">
   <p:cSld>
     <p:spTree>
@@ -7850,105 +8669,7 @@
 </p:sld>
 </file>
 
-<file path=ppt/slides/slide2.xml><?xml version="1.0" encoding="utf-8"?>
-<p:sld xmlns:a="http://schemas.openxmlformats.org/drawingml/2006/main" xmlns:r="http://schemas.openxmlformats.org/officeDocument/2006/relationships" xmlns:p="http://schemas.openxmlformats.org/presentationml/2006/main">
-  <p:cSld>
-    <p:spTree>
-      <p:nvGrpSpPr>
-        <p:cNvPr id="1" name=""/>
-        <p:cNvGrpSpPr/>
-        <p:nvPr/>
-      </p:nvGrpSpPr>
-      <p:grpSpPr>
-        <a:xfrm>
-          <a:off x="0" y="0"/>
-          <a:ext cx="0" cy="0"/>
-          <a:chOff x="0" y="0"/>
-          <a:chExt cx="0" cy="0"/>
-        </a:xfrm>
-      </p:grpSpPr>
-      <p:sp>
-        <p:nvSpPr>
-          <p:cNvPr id="2" name="Title 1">
-            <a:extLst>
-              <a:ext uri="{FF2B5EF4-FFF2-40B4-BE49-F238E27FC236}">
-                <a16:creationId xmlns:a16="http://schemas.microsoft.com/office/drawing/2014/main" id="{4E409F77-BEAD-6B41-875C-18AFD636B212}"/>
-              </a:ext>
-            </a:extLst>
-          </p:cNvPr>
-          <p:cNvSpPr>
-            <a:spLocks noGrp="1"/>
-          </p:cNvSpPr>
-          <p:nvPr>
-            <p:ph type="title"/>
-          </p:nvPr>
-        </p:nvSpPr>
-        <p:spPr/>
-        <p:txBody>
-          <a:bodyPr/>
-          <a:lstStyle/>
-          <a:p>
-            <a:r>
-              <a:rPr lang="en-US" dirty="0"/>
-              <a:t>Outline</a:t>
-            </a:r>
-          </a:p>
-        </p:txBody>
-      </p:sp>
-      <p:sp>
-        <p:nvSpPr>
-          <p:cNvPr id="3" name="Content Placeholder 2">
-            <a:extLst>
-              <a:ext uri="{FF2B5EF4-FFF2-40B4-BE49-F238E27FC236}">
-                <a16:creationId xmlns:a16="http://schemas.microsoft.com/office/drawing/2014/main" id="{917167AF-0C44-1940-B634-D876516310FE}"/>
-              </a:ext>
-            </a:extLst>
-          </p:cNvPr>
-          <p:cNvSpPr>
-            <a:spLocks noGrp="1"/>
-          </p:cNvSpPr>
-          <p:nvPr>
-            <p:ph idx="1"/>
-          </p:nvPr>
-        </p:nvSpPr>
-        <p:spPr/>
-        <p:txBody>
-          <a:bodyPr/>
-          <a:lstStyle/>
-          <a:p>
-            <a:r>
-              <a:rPr lang="en-US" dirty="0"/>
-              <a:t>Recap of discussions and WG decisions</a:t>
-            </a:r>
-          </a:p>
-          <a:p>
-            <a:r>
-              <a:rPr lang="en-US" dirty="0"/>
-              <a:t>Major changes from IETF 114</a:t>
-            </a:r>
-          </a:p>
-          <a:p>
-            <a:r>
-              <a:rPr lang="en-US" dirty="0"/>
-              <a:t>Discussions and remaining issues to finalize</a:t>
-            </a:r>
-          </a:p>
-        </p:txBody>
-      </p:sp>
-    </p:spTree>
-    <p:extLst>
-      <p:ext uri="{BB962C8B-B14F-4D97-AF65-F5344CB8AC3E}">
-        <p14:creationId xmlns:p14="http://schemas.microsoft.com/office/powerpoint/2010/main" val="107829348"/>
-      </p:ext>
-    </p:extLst>
-  </p:cSld>
-  <p:clrMapOvr>
-    <a:masterClrMapping/>
-  </p:clrMapOvr>
-</p:sld>
-</file>
-
-<file path=ppt/slides/slide20.xml><?xml version="1.0" encoding="utf-8"?>
+<file path=ppt/slides/slide22.xml><?xml version="1.0" encoding="utf-8"?>
 <p:sld xmlns:a="http://schemas.openxmlformats.org/drawingml/2006/main" xmlns:r="http://schemas.openxmlformats.org/officeDocument/2006/relationships" xmlns:p="http://schemas.openxmlformats.org/presentationml/2006/main">
   <p:cSld>
     <p:spTree>
@@ -8147,7 +8868,7 @@
 </p:sld>
 </file>
 
-<file path=ppt/slides/slide21.xml><?xml version="1.0" encoding="utf-8"?>
+<file path=ppt/slides/slide23.xml><?xml version="1.0" encoding="utf-8"?>
 <p:sld xmlns:a="http://schemas.openxmlformats.org/drawingml/2006/main" xmlns:r="http://schemas.openxmlformats.org/officeDocument/2006/relationships" xmlns:p="http://schemas.openxmlformats.org/presentationml/2006/main">
   <p:cSld>
     <p:spTree>
@@ -8247,7 +8968,7 @@
 </p:sld>
 </file>
 
-<file path=ppt/slides/slide22.xml><?xml version="1.0" encoding="utf-8"?>
+<file path=ppt/slides/slide24.xml><?xml version="1.0" encoding="utf-8"?>
 <p:sld xmlns:a="http://schemas.openxmlformats.org/drawingml/2006/main" xmlns:r="http://schemas.openxmlformats.org/officeDocument/2006/relationships" xmlns:p="http://schemas.openxmlformats.org/presentationml/2006/main">
   <p:cSld>
     <p:spTree>
@@ -8611,7 +9332,7 @@
           <a:p>
             <a:r>
               <a:rPr lang="en-US" sz="3200" dirty="0"/>
-              <a:t>Recap IETF 114 Reviews/Discussions: Finalizing Op Mode(s)</a:t>
+              <a:t>Recap: IETF 114 Reviews/Discussions: Finalizing Op Mode(s)</a:t>
             </a:r>
           </a:p>
         </p:txBody>
@@ -8634,7 +9355,7 @@
         </p:nvSpPr>
         <p:spPr>
           <a:xfrm>
-            <a:off x="167218" y="990600"/>
+            <a:off x="167218" y="866616"/>
             <a:ext cx="5453440" cy="5334000"/>
           </a:xfrm>
         </p:spPr>
@@ -8665,6 +9386,13 @@
             <a:pPr lvl="2"/>
             <a:r>
               <a:rPr lang="en-US" dirty="0"/>
+              <a:t>Blocking in HTTP/1.x</a:t>
+            </a:r>
+          </a:p>
+          <a:p>
+            <a:pPr lvl="2"/>
+            <a:r>
+              <a:rPr lang="en-US" dirty="0"/>
               <a:t>Allow request on </a:t>
             </a:r>
             <a:r>
@@ -8707,7 +9435,7 @@
             <a:pPr lvl="2"/>
             <a:r>
               <a:rPr lang="en-US" dirty="0"/>
-              <a:t>PUSH_PROMISE</a:t>
+              <a:t>PUSH_PROMISE (HTTP/2)</a:t>
             </a:r>
           </a:p>
           <a:p>
@@ -9701,7 +10429,7 @@
             <a:pPr algn="l"/>
             <a:r>
               <a:rPr lang="en-US" sz="3200" dirty="0"/>
-              <a:t>Recap Reviews: How Much to Specify Ordering Control: Transport-Aware of App Semantics [MN, MT, SD reviews]</a:t>
+              <a:t>Recap: How Much to Specify Ordering Control: Transport-Aware of App Semantics [MN, MT, SD reviews]</a:t>
             </a:r>
           </a:p>
         </p:txBody>
@@ -9942,7 +10670,7 @@
           <a:p>
             <a:r>
               <a:rPr lang="en-US" dirty="0"/>
-              <a:t>Recap Review: How/Whether to Specify Settings</a:t>
+              <a:t>Recap: How/Whether to Specify Settings</a:t>
             </a:r>
           </a:p>
         </p:txBody>
@@ -9970,7 +10698,7 @@
           <a:p>
             <a:r>
               <a:rPr lang="en-US" sz="2800" dirty="0"/>
-              <a:t>Current draft allows client to specify two (HTTP/2) control knobs on server behaviors</a:t>
+              <a:t>IETF 114 version allows client to specify two (HTTP/2) control knobs on server behaviors</a:t>
             </a:r>
           </a:p>
           <a:p>
@@ -10020,7 +10748,7 @@
           <a:p>
             <a:r>
               <a:rPr lang="en-US" sz="2800" dirty="0"/>
-              <a:t>Discussion: (1) </a:t>
+              <a:t>Suggestion: (1) </a:t>
             </a:r>
             <a:r>
               <a:rPr lang="en-US" sz="2400" dirty="0"/>
@@ -10110,13 +10838,13 @@
           <a:p>
             <a:r>
               <a:rPr lang="en-US" dirty="0"/>
-              <a:t>Style guide recommends using HTTP/1.1</a:t>
+              <a:t>Style guide recommends using HTTP/1.1 for examples [review by Mark]</a:t>
             </a:r>
           </a:p>
           <a:p>
             <a:r>
               <a:rPr lang="en-US" dirty="0"/>
-              <a:t>Introduce media type detail</a:t>
+              <a:t>Introduce media type detail [IANA spec of application/]</a:t>
             </a:r>
           </a:p>
         </p:txBody>
@@ -10308,15 +11036,48 @@
             </a:r>
           </a:p>
           <a:p>
+            <a:pPr lvl="1"/>
             <a:r>
               <a:rPr lang="en-US" dirty="0"/>
-              <a:t>Specify common model that can allow all 4 operational modes </a:t>
-            </a:r>
+              <a:t>Principle: decompose HTTP version independent components; if dependent on a version, make the component a specific document</a:t>
+            </a:r>
+          </a:p>
+          <a:p>
+            <a:pPr lvl="1"/>
+            <a:endParaRPr lang="en-US" dirty="0"/>
           </a:p>
           <a:p>
             <a:r>
               <a:rPr lang="en-US" dirty="0"/>
-              <a:t>Fully specify client pull, client long pull, and server push operational modes, leave server put as future work</a:t>
+              <a:t>Main change: 3 documents</a:t>
+            </a:r>
+          </a:p>
+          <a:p>
+            <a:pPr lvl="1"/>
+            <a:r>
+              <a:rPr lang="en-US" dirty="0"/>
+              <a:t>Doc 1: Specify common model supporting incremental updates</a:t>
+            </a:r>
+          </a:p>
+          <a:p>
+            <a:pPr lvl="1"/>
+            <a:r>
+              <a:rPr lang="en-US" dirty="0"/>
+              <a:t>Doc 2: Specify client pull, client long pull (HTTP independent)</a:t>
+            </a:r>
+          </a:p>
+          <a:p>
+            <a:pPr lvl="1"/>
+            <a:r>
+              <a:rPr lang="en-US" dirty="0"/>
+              <a:t>Doc 3: Server push</a:t>
+            </a:r>
+          </a:p>
+          <a:p>
+            <a:pPr lvl="1"/>
+            <a:r>
+              <a:rPr lang="en-US" dirty="0"/>
+              <a:t>leave server put as future work (because additional complexity such as NAT)</a:t>
             </a:r>
           </a:p>
         </p:txBody>
